--- a/docs/védés.pptx
+++ b/docs/védés.pptx
@@ -8,6 +8,10 @@
     <p:sldId id="256" r:id="rId2"/>
     <p:sldId id="258" r:id="rId3"/>
     <p:sldId id="259" r:id="rId4"/>
+    <p:sldId id="260" r:id="rId5"/>
+    <p:sldId id="261" r:id="rId6"/>
+    <p:sldId id="263" r:id="rId7"/>
+    <p:sldId id="262" r:id="rId8"/>
   </p:sldIdLst>
   <p:sldSz cx="12192000" cy="6858000"/>
   <p:notesSz cx="6858000" cy="9144000"/>
@@ -5795,14 +5799,19 @@
             <p:ph type="ctrTitle"/>
           </p:nvPr>
         </p:nvSpPr>
-        <p:spPr/>
+        <p:spPr>
+          <a:xfrm>
+            <a:off x="1507067" y="2404534"/>
+            <a:ext cx="7766936" cy="838998"/>
+          </a:xfrm>
+        </p:spPr>
         <p:txBody>
           <a:bodyPr/>
           <a:lstStyle/>
           <a:p>
             <a:r>
               <a:rPr lang="hu-HU" sz="4800" dirty="0" smtClean="0"/>
-              <a:t>Kertészné Garay Krisztina edward7ote@gmail.com</a:t>
+              <a:t>Kertészné Garay Krisztina</a:t>
             </a:r>
             <a:endParaRPr lang="en-GB" sz="4800" dirty="0"/>
           </a:p>
@@ -5818,10 +5827,33 @@
             <p:ph type="subTitle" idx="1"/>
           </p:nvPr>
         </p:nvSpPr>
-        <p:spPr/>
-        <p:txBody>
-          <a:bodyPr/>
-          <a:lstStyle/>
+        <p:spPr>
+          <a:xfrm>
+            <a:off x="1507067" y="3726611"/>
+            <a:ext cx="7766936" cy="1421121"/>
+          </a:xfrm>
+        </p:spPr>
+        <p:txBody>
+          <a:bodyPr>
+            <a:normAutofit fontScale="92500" lnSpcReduction="10000"/>
+          </a:bodyPr>
+          <a:lstStyle/>
+          <a:p>
+            <a:r>
+              <a:rPr lang="hu-HU" dirty="0" smtClean="0">
+                <a:solidFill>
+                  <a:schemeClr val="tx1"/>
+                </a:solidFill>
+                <a:hlinkClick r:id="rId2"/>
+              </a:rPr>
+              <a:t>edward7ote@gmail.com</a:t>
+            </a:r>
+            <a:endParaRPr lang="hu-HU" dirty="0" smtClean="0">
+              <a:solidFill>
+                <a:schemeClr val="tx1"/>
+              </a:solidFill>
+            </a:endParaRPr>
+          </a:p>
           <a:p>
             <a:r>
               <a:rPr lang="hu-HU" dirty="0" smtClean="0"/>
@@ -5870,6 +5902,19 @@
             <a:r>
               <a:rPr lang="en-GB" dirty="0" err="1" smtClean="0"/>
               <a:t>védés</a:t>
+            </a:r>
+            <a:endParaRPr lang="hu-HU" dirty="0" smtClean="0"/>
+          </a:p>
+          <a:p>
+            <a:r>
+              <a:rPr lang="hu-HU" dirty="0" smtClean="0"/>
+              <a:t>Conduit alkalmazás tesztelése</a:t>
+            </a:r>
+          </a:p>
+          <a:p>
+            <a:r>
+              <a:rPr lang="hu-HU" dirty="0" smtClean="0"/>
+              <a:t>2021. Szeptember 6.</a:t>
             </a:r>
             <a:endParaRPr lang="en-GB" dirty="0"/>
           </a:p>
@@ -5912,43 +5957,19 @@
           <a:chExt cx="0" cy="0"/>
         </a:xfrm>
       </p:grpSpPr>
-      <p:pic>
-        <p:nvPicPr>
-          <p:cNvPr id="7" name="Tartalom helye 4"/>
-          <p:cNvPicPr>
-            <a:picLocks noChangeAspect="1"/>
-          </p:cNvPicPr>
-          <p:nvPr/>
-        </p:nvPicPr>
-        <p:blipFill>
-          <a:blip r:embed="rId2"/>
-          <a:stretch>
-            <a:fillRect/>
-          </a:stretch>
-        </p:blipFill>
+      <p:sp>
+        <p:nvSpPr>
+          <p:cNvPr id="2" name="Cím 1"/>
+          <p:cNvSpPr>
+            <a:spLocks noGrp="1"/>
+          </p:cNvSpPr>
+          <p:nvPr>
+            <p:ph type="title"/>
+          </p:nvPr>
+        </p:nvSpPr>
         <p:spPr>
           <a:xfrm>
-            <a:off x="8008938" y="141587"/>
-            <a:ext cx="4183062" cy="2256825"/>
-          </a:xfrm>
-          <a:prstGeom prst="rect">
-            <a:avLst/>
-          </a:prstGeom>
-        </p:spPr>
-      </p:pic>
-      <p:sp>
-        <p:nvSpPr>
-          <p:cNvPr id="2" name="Cím 1"/>
-          <p:cNvSpPr>
-            <a:spLocks noGrp="1"/>
-          </p:cNvSpPr>
-          <p:nvPr>
-            <p:ph type="title"/>
-          </p:nvPr>
-        </p:nvSpPr>
-        <p:spPr>
-          <a:xfrm>
-            <a:off x="677334" y="1104180"/>
+            <a:off x="675746" y="586595"/>
             <a:ext cx="8596668" cy="826219"/>
           </a:xfrm>
         </p:spPr>
@@ -5976,8 +5997,8 @@
         </p:nvSpPr>
         <p:spPr>
           <a:xfrm>
-            <a:off x="675746" y="2398412"/>
-            <a:ext cx="4412638" cy="4476841"/>
+            <a:off x="675746" y="1552756"/>
+            <a:ext cx="4412638" cy="5322498"/>
           </a:xfrm>
         </p:spPr>
         <p:txBody>
@@ -6159,8 +6180,8 @@
         </p:nvSpPr>
         <p:spPr>
           <a:xfrm>
-            <a:off x="5088384" y="2398412"/>
-            <a:ext cx="4883752" cy="4459588"/>
+            <a:off x="5088384" y="1552756"/>
+            <a:ext cx="4883752" cy="5305244"/>
           </a:xfrm>
         </p:spPr>
         <p:txBody>
@@ -6394,6 +6415,13 @@
   <p:clrMapOvr>
     <a:masterClrMapping/>
   </p:clrMapOvr>
+  <p:timing>
+    <p:tnLst>
+      <p:par>
+        <p:cTn id="1" dur="indefinite" restart="never" nodeType="tmRoot"/>
+      </p:par>
+    </p:tnLst>
+  </p:timing>
 </p:sld>
 </file>
 
@@ -6416,7 +6444,7 @@
       </p:grpSpPr>
       <p:sp>
         <p:nvSpPr>
-          <p:cNvPr id="2" name="Cím 1"/>
+          <p:cNvPr id="5" name="Cím 4"/>
           <p:cNvSpPr>
             <a:spLocks noGrp="1"/>
           </p:cNvSpPr>
@@ -6429,48 +6457,40 @@
           <a:bodyPr/>
           <a:lstStyle/>
           <a:p>
-            <a:endParaRPr lang="en-GB"/>
-          </a:p>
-        </p:txBody>
-      </p:sp>
-      <p:sp>
-        <p:nvSpPr>
-          <p:cNvPr id="3" name="Tartalom helye 2"/>
-          <p:cNvSpPr>
-            <a:spLocks noGrp="1"/>
-          </p:cNvSpPr>
-          <p:nvPr>
-            <p:ph sz="half" idx="1"/>
-          </p:nvPr>
-        </p:nvSpPr>
-        <p:spPr/>
-        <p:txBody>
-          <a:bodyPr/>
-          <a:lstStyle/>
-          <a:p>
-            <a:endParaRPr lang="en-GB"/>
-          </a:p>
-        </p:txBody>
-      </p:sp>
-      <p:sp>
-        <p:nvSpPr>
-          <p:cNvPr id="4" name="Tartalom helye 3"/>
-          <p:cNvSpPr>
-            <a:spLocks noGrp="1"/>
-          </p:cNvSpPr>
-          <p:nvPr>
-            <p:ph sz="half" idx="2"/>
-          </p:nvPr>
-        </p:nvSpPr>
-        <p:spPr/>
-        <p:txBody>
-          <a:bodyPr/>
-          <a:lstStyle/>
-          <a:p>
-            <a:endParaRPr lang="en-GB"/>
-          </a:p>
-        </p:txBody>
-      </p:sp>
+            <a:r>
+              <a:rPr lang="hu-HU" dirty="0"/>
+              <a:t>Conduit alkalmazás </a:t>
+            </a:r>
+            <a:endParaRPr lang="en-GB" dirty="0"/>
+          </a:p>
+        </p:txBody>
+      </p:sp>
+      <p:pic>
+        <p:nvPicPr>
+          <p:cNvPr id="7" name="Tartalom helye 6"/>
+          <p:cNvPicPr>
+            <a:picLocks noGrp="1" noChangeAspect="1"/>
+          </p:cNvPicPr>
+          <p:nvPr>
+            <p:ph idx="1"/>
+          </p:nvPr>
+        </p:nvPicPr>
+        <p:blipFill>
+          <a:blip r:embed="rId2"/>
+          <a:stretch>
+            <a:fillRect/>
+          </a:stretch>
+        </p:blipFill>
+        <p:spPr>
+          <a:xfrm>
+            <a:off x="1250077" y="1656272"/>
+            <a:ext cx="8023925" cy="4592787"/>
+          </a:xfrm>
+          <a:prstGeom prst="rect">
+            <a:avLst/>
+          </a:prstGeom>
+        </p:spPr>
+      </p:pic>
     </p:spTree>
     <p:extLst>
       <p:ext uri="{BB962C8B-B14F-4D97-AF65-F5344CB8AC3E}">
@@ -6481,6 +6501,720 @@
   <p:clrMapOvr>
     <a:masterClrMapping/>
   </p:clrMapOvr>
+  <p:timing>
+    <p:tnLst>
+      <p:par>
+        <p:cTn id="1" dur="indefinite" restart="never" nodeType="tmRoot"/>
+      </p:par>
+    </p:tnLst>
+  </p:timing>
+</p:sld>
+</file>
+
+<file path=ppt/slides/slide4.xml><?xml version="1.0" encoding="utf-8"?>
+<p:sld xmlns:a="http://schemas.openxmlformats.org/drawingml/2006/main" xmlns:r="http://schemas.openxmlformats.org/officeDocument/2006/relationships" xmlns:p="http://schemas.openxmlformats.org/presentationml/2006/main">
+  <p:cSld>
+    <p:spTree>
+      <p:nvGrpSpPr>
+        <p:cNvPr id="1" name=""/>
+        <p:cNvGrpSpPr/>
+        <p:nvPr/>
+      </p:nvGrpSpPr>
+      <p:grpSpPr>
+        <a:xfrm>
+          <a:off x="0" y="0"/>
+          <a:ext cx="0" cy="0"/>
+          <a:chOff x="0" y="0"/>
+          <a:chExt cx="0" cy="0"/>
+        </a:xfrm>
+      </p:grpSpPr>
+      <p:sp>
+        <p:nvSpPr>
+          <p:cNvPr id="2" name="Cím 1"/>
+          <p:cNvSpPr>
+            <a:spLocks noGrp="1"/>
+          </p:cNvSpPr>
+          <p:nvPr>
+            <p:ph type="title"/>
+          </p:nvPr>
+        </p:nvSpPr>
+        <p:spPr>
+          <a:xfrm>
+            <a:off x="677334" y="448574"/>
+            <a:ext cx="8596668" cy="1481826"/>
+          </a:xfrm>
+        </p:spPr>
+        <p:txBody>
+          <a:bodyPr/>
+          <a:lstStyle/>
+          <a:p>
+            <a:r>
+              <a:rPr lang="hu-HU" dirty="0"/>
+              <a:t>Conduit alkalmazás </a:t>
+            </a:r>
+            <a:endParaRPr lang="en-GB" dirty="0"/>
+          </a:p>
+        </p:txBody>
+      </p:sp>
+      <p:pic>
+        <p:nvPicPr>
+          <p:cNvPr id="4" name="Tartalom helye 3"/>
+          <p:cNvPicPr>
+            <a:picLocks noGrp="1" noChangeAspect="1"/>
+          </p:cNvPicPr>
+          <p:nvPr>
+            <p:ph idx="1"/>
+          </p:nvPr>
+        </p:nvPicPr>
+        <p:blipFill>
+          <a:blip r:embed="rId2"/>
+          <a:stretch>
+            <a:fillRect/>
+          </a:stretch>
+        </p:blipFill>
+        <p:spPr>
+          <a:xfrm>
+            <a:off x="388230" y="1270000"/>
+            <a:ext cx="8721264" cy="5072331"/>
+          </a:xfrm>
+          <a:prstGeom prst="rect">
+            <a:avLst/>
+          </a:prstGeom>
+        </p:spPr>
+      </p:pic>
+    </p:spTree>
+    <p:extLst>
+      <p:ext uri="{BB962C8B-B14F-4D97-AF65-F5344CB8AC3E}">
+        <p14:creationId xmlns:p14="http://schemas.microsoft.com/office/powerpoint/2010/main" val="4019124889"/>
+      </p:ext>
+    </p:extLst>
+  </p:cSld>
+  <p:clrMapOvr>
+    <a:masterClrMapping/>
+  </p:clrMapOvr>
+  <p:timing>
+    <p:tnLst>
+      <p:par>
+        <p:cTn id="1" dur="indefinite" restart="never" nodeType="tmRoot"/>
+      </p:par>
+    </p:tnLst>
+  </p:timing>
+</p:sld>
+</file>
+
+<file path=ppt/slides/slide5.xml><?xml version="1.0" encoding="utf-8"?>
+<p:sld xmlns:a="http://schemas.openxmlformats.org/drawingml/2006/main" xmlns:r="http://schemas.openxmlformats.org/officeDocument/2006/relationships" xmlns:p="http://schemas.openxmlformats.org/presentationml/2006/main">
+  <p:cSld>
+    <p:spTree>
+      <p:nvGrpSpPr>
+        <p:cNvPr id="1" name=""/>
+        <p:cNvGrpSpPr/>
+        <p:nvPr/>
+      </p:nvGrpSpPr>
+      <p:grpSpPr>
+        <a:xfrm>
+          <a:off x="0" y="0"/>
+          <a:ext cx="0" cy="0"/>
+          <a:chOff x="0" y="0"/>
+          <a:chExt cx="0" cy="0"/>
+        </a:xfrm>
+      </p:grpSpPr>
+      <p:sp>
+        <p:nvSpPr>
+          <p:cNvPr id="2" name="Cím 1"/>
+          <p:cNvSpPr>
+            <a:spLocks noGrp="1"/>
+          </p:cNvSpPr>
+          <p:nvPr>
+            <p:ph type="title"/>
+          </p:nvPr>
+        </p:nvSpPr>
+        <p:spPr>
+          <a:xfrm>
+            <a:off x="677334" y="609600"/>
+            <a:ext cx="8596668" cy="718868"/>
+          </a:xfrm>
+        </p:spPr>
+        <p:txBody>
+          <a:bodyPr/>
+          <a:lstStyle/>
+          <a:p>
+            <a:r>
+              <a:rPr lang="hu-HU" dirty="0"/>
+              <a:t>Conduit alkalmazás </a:t>
+            </a:r>
+            <a:endParaRPr lang="en-GB" dirty="0"/>
+          </a:p>
+        </p:txBody>
+      </p:sp>
+      <p:pic>
+        <p:nvPicPr>
+          <p:cNvPr id="5" name="Tartalom helye 4"/>
+          <p:cNvPicPr>
+            <a:picLocks noGrp="1" noChangeAspect="1"/>
+          </p:cNvPicPr>
+          <p:nvPr>
+            <p:ph idx="1"/>
+          </p:nvPr>
+        </p:nvPicPr>
+        <p:blipFill>
+          <a:blip r:embed="rId2"/>
+          <a:stretch>
+            <a:fillRect/>
+          </a:stretch>
+        </p:blipFill>
+        <p:spPr>
+          <a:xfrm>
+            <a:off x="718002" y="1466850"/>
+            <a:ext cx="8516033" cy="4575175"/>
+          </a:xfrm>
+          <a:prstGeom prst="rect">
+            <a:avLst/>
+          </a:prstGeom>
+        </p:spPr>
+      </p:pic>
+    </p:spTree>
+    <p:extLst>
+      <p:ext uri="{BB962C8B-B14F-4D97-AF65-F5344CB8AC3E}">
+        <p14:creationId xmlns:p14="http://schemas.microsoft.com/office/powerpoint/2010/main" val="2112024908"/>
+      </p:ext>
+    </p:extLst>
+  </p:cSld>
+  <p:clrMapOvr>
+    <a:masterClrMapping/>
+  </p:clrMapOvr>
+  <p:timing>
+    <p:tnLst>
+      <p:par>
+        <p:cTn id="1" dur="indefinite" restart="never" nodeType="tmRoot"/>
+      </p:par>
+    </p:tnLst>
+  </p:timing>
+</p:sld>
+</file>
+
+<file path=ppt/slides/slide6.xml><?xml version="1.0" encoding="utf-8"?>
+<p:sld xmlns:a="http://schemas.openxmlformats.org/drawingml/2006/main" xmlns:r="http://schemas.openxmlformats.org/officeDocument/2006/relationships" xmlns:p="http://schemas.openxmlformats.org/presentationml/2006/main">
+  <p:cSld>
+    <p:spTree>
+      <p:nvGrpSpPr>
+        <p:cNvPr id="1" name=""/>
+        <p:cNvGrpSpPr/>
+        <p:nvPr/>
+      </p:nvGrpSpPr>
+      <p:grpSpPr>
+        <a:xfrm>
+          <a:off x="0" y="0"/>
+          <a:ext cx="0" cy="0"/>
+          <a:chOff x="0" y="0"/>
+          <a:chExt cx="0" cy="0"/>
+        </a:xfrm>
+      </p:grpSpPr>
+      <p:sp>
+        <p:nvSpPr>
+          <p:cNvPr id="4" name="Cím 3"/>
+          <p:cNvSpPr>
+            <a:spLocks noGrp="1"/>
+          </p:cNvSpPr>
+          <p:nvPr>
+            <p:ph type="title"/>
+          </p:nvPr>
+        </p:nvSpPr>
+        <p:spPr>
+          <a:xfrm>
+            <a:off x="677334" y="609600"/>
+            <a:ext cx="8596668" cy="649857"/>
+          </a:xfrm>
+        </p:spPr>
+        <p:txBody>
+          <a:bodyPr/>
+          <a:lstStyle/>
+          <a:p>
+            <a:r>
+              <a:rPr lang="hu-HU" dirty="0"/>
+              <a:t>Conduit alkalmazás </a:t>
+            </a:r>
+            <a:endParaRPr lang="en-GB" dirty="0"/>
+          </a:p>
+        </p:txBody>
+      </p:sp>
+      <p:sp>
+        <p:nvSpPr>
+          <p:cNvPr id="5" name="Tartalom helye 4"/>
+          <p:cNvSpPr>
+            <a:spLocks noGrp="1"/>
+          </p:cNvSpPr>
+          <p:nvPr>
+            <p:ph idx="1"/>
+          </p:nvPr>
+        </p:nvSpPr>
+        <p:spPr>
+          <a:xfrm>
+            <a:off x="677333" y="1673525"/>
+            <a:ext cx="9195329" cy="4288363"/>
+          </a:xfrm>
+        </p:spPr>
+        <p:txBody>
+          <a:bodyPr>
+            <a:normAutofit lnSpcReduction="10000"/>
+          </a:bodyPr>
+          <a:lstStyle/>
+          <a:p>
+            <a:r>
+              <a:rPr lang="hu-HU" dirty="0" smtClean="0"/>
+              <a:t>Tesztek </a:t>
+            </a:r>
+            <a:r>
+              <a:rPr lang="hu-HU" dirty="0"/>
+              <a:t>forráskódja: </a:t>
+            </a:r>
+            <a:r>
+              <a:rPr lang="hu-HU" dirty="0">
+                <a:hlinkClick r:id="rId2"/>
+              </a:rPr>
+              <a:t>https://</a:t>
+            </a:r>
+            <a:r>
+              <a:rPr lang="hu-HU" dirty="0" smtClean="0">
+                <a:hlinkClick r:id="rId2"/>
+              </a:rPr>
+              <a:t>github.com/otedam/conduit/tree/master/test_conduit</a:t>
+            </a:r>
+            <a:endParaRPr lang="hu-HU" dirty="0" smtClean="0"/>
+          </a:p>
+          <a:p>
+            <a:r>
+              <a:rPr lang="en-US" dirty="0" err="1" smtClean="0"/>
+              <a:t>Alkalmazás</a:t>
+            </a:r>
+            <a:r>
+              <a:rPr lang="en-US" dirty="0" smtClean="0"/>
+              <a:t> </a:t>
+            </a:r>
+            <a:r>
+              <a:rPr lang="hu-HU" dirty="0" smtClean="0"/>
+              <a:t>indítása</a:t>
+            </a:r>
+            <a:r>
+              <a:rPr lang="en-US" dirty="0" smtClean="0"/>
+              <a:t>: </a:t>
+            </a:r>
+            <a:r>
+              <a:rPr lang="en-US" dirty="0">
+                <a:hlinkClick r:id="rId3"/>
+              </a:rPr>
+              <a:t>http://conduitapp.progmasters.hu:1667/#/</a:t>
+            </a:r>
+            <a:r>
+              <a:rPr lang="en-US" dirty="0"/>
+              <a:t> 		                                                                                </a:t>
+            </a:r>
+            <a:r>
+              <a:rPr lang="hu-HU" dirty="0" smtClean="0"/>
+              <a:t>				</a:t>
+            </a:r>
+            <a:r>
+              <a:rPr lang="hu-HU"/>
+              <a:t> </a:t>
+            </a:r>
+            <a:r>
+              <a:rPr lang="hu-HU" smtClean="0"/>
+              <a:t>         </a:t>
+            </a:r>
+            <a:r>
+              <a:rPr lang="en-US" dirty="0" smtClean="0">
+                <a:hlinkClick r:id="rId4"/>
+              </a:rPr>
+              <a:t>http</a:t>
+            </a:r>
+            <a:r>
+              <a:rPr lang="en-US" dirty="0">
+                <a:hlinkClick r:id="rId4"/>
+              </a:rPr>
+              <a:t>://localhost:1667</a:t>
+            </a:r>
+            <a:r>
+              <a:rPr lang="en-US" dirty="0" smtClean="0">
+                <a:hlinkClick r:id="rId4"/>
+              </a:rPr>
+              <a:t>/#/</a:t>
+            </a:r>
+            <a:endParaRPr lang="hu-HU" dirty="0" smtClean="0"/>
+          </a:p>
+          <a:p>
+            <a:r>
+              <a:rPr lang="en-US" dirty="0" err="1" smtClean="0"/>
+              <a:t>Manuális</a:t>
+            </a:r>
+            <a:r>
+              <a:rPr lang="en-US" dirty="0" smtClean="0"/>
+              <a:t> </a:t>
+            </a:r>
+            <a:r>
+              <a:rPr lang="en-US" dirty="0" err="1"/>
+              <a:t>tesztjegyzőkönyv</a:t>
+            </a:r>
+            <a:r>
+              <a:rPr lang="en-US" dirty="0"/>
+              <a:t>: </a:t>
+            </a:r>
+            <a:r>
+              <a:rPr lang="en-US" dirty="0">
+                <a:hlinkClick r:id="rId5"/>
+              </a:rPr>
+              <a:t>https://</a:t>
+            </a:r>
+            <a:r>
+              <a:rPr lang="en-US" dirty="0" smtClean="0">
+                <a:hlinkClick r:id="rId5"/>
+              </a:rPr>
+              <a:t>github.com/otedam/conduit/blob/master/docs/conduit_TST_Garay_Krisztina.docx</a:t>
+            </a:r>
+            <a:endParaRPr lang="hu-HU" dirty="0" smtClean="0"/>
+          </a:p>
+          <a:p>
+            <a:r>
+              <a:rPr lang="en-US" dirty="0" err="1" smtClean="0"/>
+              <a:t>Alkalmazás</a:t>
+            </a:r>
+            <a:r>
+              <a:rPr lang="en-US" dirty="0" smtClean="0"/>
+              <a:t> </a:t>
+            </a:r>
+            <a:r>
+              <a:rPr lang="en-US" dirty="0" err="1"/>
+              <a:t>elérési</a:t>
+            </a:r>
+            <a:r>
+              <a:rPr lang="en-US" dirty="0"/>
+              <a:t> </a:t>
+            </a:r>
+            <a:r>
+              <a:rPr lang="en-US" dirty="0" err="1"/>
+              <a:t>helye</a:t>
+            </a:r>
+            <a:r>
+              <a:rPr lang="en-US" dirty="0"/>
+              <a:t>: </a:t>
+            </a:r>
+            <a:r>
+              <a:rPr lang="en-US" dirty="0">
+                <a:hlinkClick r:id="rId6"/>
+              </a:rPr>
+              <a:t>https://</a:t>
+            </a:r>
+            <a:r>
+              <a:rPr lang="en-US" dirty="0" smtClean="0">
+                <a:hlinkClick r:id="rId6"/>
+              </a:rPr>
+              <a:t>github.com/</a:t>
+            </a:r>
+            <a:r>
+              <a:rPr lang="hu-HU" dirty="0" err="1" smtClean="0">
+                <a:hlinkClick r:id="rId6"/>
+              </a:rPr>
+              <a:t>otedam</a:t>
+            </a:r>
+            <a:r>
+              <a:rPr lang="en-US" dirty="0" smtClean="0">
+                <a:hlinkClick r:id="rId6"/>
+              </a:rPr>
+              <a:t>/conduit</a:t>
+            </a:r>
+            <a:r>
+              <a:rPr lang="en-US" dirty="0" smtClean="0"/>
+              <a:t> </a:t>
+            </a:r>
+            <a:endParaRPr lang="hu-HU" dirty="0" smtClean="0"/>
+          </a:p>
+          <a:p>
+            <a:r>
+              <a:rPr lang="en-US" dirty="0" err="1" smtClean="0"/>
+              <a:t>Tesztek</a:t>
+            </a:r>
+            <a:r>
+              <a:rPr lang="en-US" dirty="0" smtClean="0"/>
+              <a:t> </a:t>
+            </a:r>
+            <a:r>
+              <a:rPr lang="en-US" dirty="0" err="1"/>
+              <a:t>dokumentációja</a:t>
+            </a:r>
+            <a:r>
+              <a:rPr lang="en-US" dirty="0"/>
+              <a:t>: </a:t>
+            </a:r>
+            <a:r>
+              <a:rPr lang="en-US" dirty="0">
+                <a:hlinkClick r:id="rId7"/>
+              </a:rPr>
+              <a:t>https://</a:t>
+            </a:r>
+            <a:r>
+              <a:rPr lang="en-US" dirty="0" smtClean="0">
+                <a:hlinkClick r:id="rId7"/>
+              </a:rPr>
+              <a:t>github.com/</a:t>
+            </a:r>
+            <a:r>
+              <a:rPr lang="hu-HU" dirty="0" err="1" smtClean="0">
+                <a:hlinkClick r:id="rId7"/>
+              </a:rPr>
+              <a:t>otedam</a:t>
+            </a:r>
+            <a:r>
+              <a:rPr lang="en-US" dirty="0" smtClean="0">
+                <a:hlinkClick r:id="rId7"/>
+              </a:rPr>
+              <a:t>/conduit/tree/master/docs</a:t>
+            </a:r>
+            <a:endParaRPr lang="hu-HU" dirty="0" smtClean="0"/>
+          </a:p>
+          <a:p>
+            <a:r>
+              <a:rPr lang="en-US" dirty="0" smtClean="0"/>
+              <a:t>Automata </a:t>
+            </a:r>
+            <a:r>
+              <a:rPr lang="en-US" dirty="0" err="1"/>
+              <a:t>tesztek</a:t>
+            </a:r>
+            <a:r>
+              <a:rPr lang="en-US" dirty="0"/>
+              <a:t> </a:t>
+            </a:r>
+            <a:r>
+              <a:rPr lang="en-US" dirty="0" err="1"/>
+              <a:t>futtatása</a:t>
+            </a:r>
+            <a:r>
+              <a:rPr lang="en-US" dirty="0"/>
+              <a:t>: </a:t>
+            </a:r>
+            <a:r>
+              <a:rPr lang="en-US" dirty="0" err="1"/>
+              <a:t>elinditás</a:t>
+            </a:r>
+            <a:r>
+              <a:rPr lang="en-US" dirty="0"/>
+              <a:t> </a:t>
+            </a:r>
+            <a:r>
+              <a:rPr lang="en-US" dirty="0" err="1"/>
+              <a:t>GitHubActions</a:t>
+            </a:r>
+            <a:r>
+              <a:rPr lang="en-US" dirty="0"/>
+              <a:t>, </a:t>
+            </a:r>
+            <a:r>
+              <a:rPr lang="en-US" dirty="0" err="1"/>
+              <a:t>pytest</a:t>
+            </a:r>
+            <a:r>
+              <a:rPr lang="en-US" dirty="0"/>
+              <a:t> </a:t>
+            </a:r>
+            <a:r>
+              <a:rPr lang="en-US" dirty="0" err="1" smtClean="0"/>
+              <a:t>keretrendszerben</a:t>
+            </a:r>
+            <a:r>
+              <a:rPr lang="hu-HU" dirty="0" smtClean="0"/>
+              <a:t>, minden </a:t>
+            </a:r>
+            <a:r>
+              <a:rPr lang="hu-HU" dirty="0" err="1" smtClean="0"/>
+              <a:t>push-oláskor</a:t>
+            </a:r>
+            <a:r>
+              <a:rPr lang="hu-HU" dirty="0" smtClean="0"/>
+              <a:t>:</a:t>
+            </a:r>
+            <a:r>
+              <a:rPr lang="en-US" dirty="0" smtClean="0"/>
+              <a:t> </a:t>
+            </a:r>
+            <a:r>
+              <a:rPr lang="en-US" dirty="0">
+                <a:hlinkClick r:id="rId8"/>
+              </a:rPr>
+              <a:t>https://</a:t>
+            </a:r>
+            <a:r>
+              <a:rPr lang="en-US" dirty="0" smtClean="0">
+                <a:hlinkClick r:id="rId8"/>
+              </a:rPr>
+              <a:t>github.com/</a:t>
+            </a:r>
+            <a:r>
+              <a:rPr lang="hu-HU" dirty="0" err="1" smtClean="0">
+                <a:hlinkClick r:id="rId8"/>
+              </a:rPr>
+              <a:t>otedam</a:t>
+            </a:r>
+            <a:r>
+              <a:rPr lang="en-US" dirty="0" smtClean="0">
+                <a:hlinkClick r:id="rId8"/>
+              </a:rPr>
+              <a:t>/conduit/actions/workflows/</a:t>
+            </a:r>
+            <a:r>
+              <a:rPr lang="en-US" dirty="0" err="1" smtClean="0">
+                <a:hlinkClick r:id="rId8"/>
+              </a:rPr>
+              <a:t>conduit_remek.yml</a:t>
+            </a:r>
+            <a:endParaRPr lang="hu-HU" dirty="0" smtClean="0"/>
+          </a:p>
+          <a:p>
+            <a:r>
+              <a:rPr lang="en-US" dirty="0" err="1" smtClean="0"/>
+              <a:t>Vezetői</a:t>
+            </a:r>
+            <a:r>
+              <a:rPr lang="en-US" dirty="0" smtClean="0"/>
+              <a:t> </a:t>
+            </a:r>
+            <a:r>
+              <a:rPr lang="en-US" dirty="0" err="1"/>
+              <a:t>tesztjelentés</a:t>
+            </a:r>
+            <a:r>
+              <a:rPr lang="en-US" dirty="0"/>
+              <a:t>: ALLURE </a:t>
+            </a:r>
+            <a:r>
+              <a:rPr lang="en-US" dirty="0" err="1" smtClean="0"/>
+              <a:t>riport</a:t>
+            </a:r>
+            <a:r>
+              <a:rPr lang="hu-HU" dirty="0" smtClean="0"/>
+              <a:t>:</a:t>
+            </a:r>
+            <a:r>
+              <a:rPr lang="en-US" dirty="0" smtClean="0"/>
+              <a:t> </a:t>
+            </a:r>
+            <a:r>
+              <a:rPr lang="en-US" dirty="0">
+                <a:hlinkClick r:id="rId9"/>
+              </a:rPr>
+              <a:t>https</a:t>
+            </a:r>
+            <a:r>
+              <a:rPr lang="en-US" dirty="0" smtClean="0">
+                <a:hlinkClick r:id="rId9"/>
+              </a:rPr>
+              <a:t>://</a:t>
+            </a:r>
+            <a:r>
+              <a:rPr lang="hu-HU" dirty="0" err="1" smtClean="0">
+                <a:hlinkClick r:id="rId9"/>
+              </a:rPr>
+              <a:t>otedam</a:t>
+            </a:r>
+            <a:r>
+              <a:rPr lang="en-US" dirty="0" smtClean="0">
+                <a:hlinkClick r:id="rId9"/>
+              </a:rPr>
+              <a:t>.github.io/conduit/</a:t>
+            </a:r>
+            <a:endParaRPr lang="en-US" dirty="0"/>
+          </a:p>
+          <a:p>
+            <a:pPr marL="0" indent="0">
+              <a:buNone/>
+            </a:pPr>
+            <a:endParaRPr lang="hu-HU" dirty="0" smtClean="0"/>
+          </a:p>
+        </p:txBody>
+      </p:sp>
+    </p:spTree>
+    <p:extLst>
+      <p:ext uri="{BB962C8B-B14F-4D97-AF65-F5344CB8AC3E}">
+        <p14:creationId xmlns:p14="http://schemas.microsoft.com/office/powerpoint/2010/main" val="3662497986"/>
+      </p:ext>
+    </p:extLst>
+  </p:cSld>
+  <p:clrMapOvr>
+    <a:masterClrMapping/>
+  </p:clrMapOvr>
+  <p:timing>
+    <p:tnLst>
+      <p:par>
+        <p:cTn id="1" dur="indefinite" restart="never" nodeType="tmRoot"/>
+      </p:par>
+    </p:tnLst>
+  </p:timing>
+</p:sld>
+</file>
+
+<file path=ppt/slides/slide7.xml><?xml version="1.0" encoding="utf-8"?>
+<p:sld xmlns:a="http://schemas.openxmlformats.org/drawingml/2006/main" xmlns:r="http://schemas.openxmlformats.org/officeDocument/2006/relationships" xmlns:p="http://schemas.openxmlformats.org/presentationml/2006/main">
+  <p:cSld>
+    <p:spTree>
+      <p:nvGrpSpPr>
+        <p:cNvPr id="1" name=""/>
+        <p:cNvGrpSpPr/>
+        <p:nvPr/>
+      </p:nvGrpSpPr>
+      <p:grpSpPr>
+        <a:xfrm>
+          <a:off x="0" y="0"/>
+          <a:ext cx="0" cy="0"/>
+          <a:chOff x="0" y="0"/>
+          <a:chExt cx="0" cy="0"/>
+        </a:xfrm>
+      </p:grpSpPr>
+      <p:sp>
+        <p:nvSpPr>
+          <p:cNvPr id="4" name="Cím 3"/>
+          <p:cNvSpPr>
+            <a:spLocks noGrp="1"/>
+          </p:cNvSpPr>
+          <p:nvPr>
+            <p:ph type="ctrTitle"/>
+          </p:nvPr>
+        </p:nvSpPr>
+        <p:spPr/>
+        <p:txBody>
+          <a:bodyPr/>
+          <a:lstStyle/>
+          <a:p>
+            <a:pPr algn="ctr"/>
+            <a:r>
+              <a:rPr lang="hu-HU" dirty="0" smtClean="0"/>
+              <a:t>Köszönöm a figyelmet!</a:t>
+            </a:r>
+            <a:br>
+              <a:rPr lang="hu-HU" dirty="0" smtClean="0"/>
+            </a:br>
+            <a:r>
+              <a:rPr lang="hu-HU" dirty="0" smtClean="0"/>
+              <a:t>Viszontlátásra!</a:t>
+            </a:r>
+            <a:endParaRPr lang="en-GB" dirty="0"/>
+          </a:p>
+        </p:txBody>
+      </p:sp>
+    </p:spTree>
+    <p:extLst>
+      <p:ext uri="{BB962C8B-B14F-4D97-AF65-F5344CB8AC3E}">
+        <p14:creationId xmlns:p14="http://schemas.microsoft.com/office/powerpoint/2010/main" val="897425894"/>
+      </p:ext>
+    </p:extLst>
+  </p:cSld>
+  <p:clrMapOvr>
+    <a:masterClrMapping/>
+  </p:clrMapOvr>
+  <p:timing>
+    <p:tnLst>
+      <p:par>
+        <p:cTn id="1" dur="indefinite" restart="never" nodeType="tmRoot"/>
+      </p:par>
+    </p:tnLst>
+  </p:timing>
 </p:sld>
 </file>
 
